--- a/swbproys/gestor-bsc/doc/weekly/06_20130715/Junta semanal interna.pptx
+++ b/swbproys/gestor-bsc/doc/weekly/06_20130715/Junta semanal interna.pptx
@@ -10943,7 +10943,7 @@
           <p:nvPr>
             <p:extLst>
               <p:ext uri="{D42A27DB-BD31-4B8C-83A1-F6EECF244321}">
-                <p14:modId xmlns:p14="http://schemas.microsoft.com/office/powerpoint/2010/main" val="3006440580"/>
+                <p14:modId xmlns:p14="http://schemas.microsoft.com/office/powerpoint/2010/main" val="4224363763"/>
               </p:ext>
             </p:extLst>
           </p:nvPr>
@@ -11015,7 +11015,19 @@
                         <a:rPr lang="es-ES" dirty="0" smtClean="0">
                           <a:effectLst/>
                         </a:rPr>
-                        <a:t>Inicio del productor de</a:t>
+                        <a:t>Inicio del </a:t>
+                      </a:r>
+                      <a:r>
+                        <a:rPr lang="es-ES" dirty="0" smtClean="0">
+                          <a:effectLst/>
+                        </a:rPr>
+                        <a:t>producto </a:t>
+                      </a:r>
+                      <a:r>
+                        <a:rPr lang="es-ES" dirty="0" smtClean="0">
+                          <a:effectLst/>
+                        </a:rPr>
+                        <a:t>de</a:t>
                       </a:r>
                       <a:r>
                         <a:rPr lang="es-ES" baseline="0" dirty="0" smtClean="0">
@@ -12692,7 +12704,7 @@
           <p:nvPr>
             <p:extLst>
               <p:ext uri="{D42A27DB-BD31-4B8C-83A1-F6EECF244321}">
-                <p14:modId xmlns:p14="http://schemas.microsoft.com/office/powerpoint/2010/main" val="3342966225"/>
+                <p14:modId xmlns:p14="http://schemas.microsoft.com/office/powerpoint/2010/main" val="144766968"/>
               </p:ext>
             </p:extLst>
           </p:nvPr>
@@ -12885,6 +12897,14 @@
                     <a:bodyPr/>
                     <a:lstStyle/>
                     <a:p>
+                      <a:r>
+                        <a:rPr lang="es-MX" dirty="0" smtClean="0">
+                          <a:solidFill>
+                            <a:schemeClr val="tx1"/>
+                          </a:solidFill>
+                        </a:rPr>
+                        <a:t>12.57</a:t>
+                      </a:r>
                       <a:endParaRPr lang="es-ES" dirty="0">
                         <a:solidFill>
                           <a:schemeClr val="tx1"/>
@@ -14158,14 +14178,14 @@
           <p:nvPr>
             <p:extLst>
               <p:ext uri="{D42A27DB-BD31-4B8C-83A1-F6EECF244321}">
-                <p14:modId xmlns:p14="http://schemas.microsoft.com/office/powerpoint/2010/main" val="3199911036"/>
+                <p14:modId xmlns:p14="http://schemas.microsoft.com/office/powerpoint/2010/main" val="3606950052"/>
               </p:ext>
             </p:extLst>
           </p:nvPr>
         </p:nvGraphicFramePr>
         <p:xfrm>
           <a:off x="611560" y="1268760"/>
-          <a:ext cx="7848872" cy="5182995"/>
+          <a:ext cx="7848872" cy="5571847"/>
         </p:xfrm>
         <a:graphic>
           <a:graphicData uri="http://schemas.openxmlformats.org/drawingml/2006/table">
@@ -14764,6 +14784,10 @@
                     <a:bodyPr/>
                     <a:lstStyle/>
                     <a:p>
+                      <a:r>
+                        <a:rPr lang="es-MX" sz="1600" dirty="0" smtClean="0"/>
+                        <a:t>Se le enviará a Javier un correo solicitándole su apoyo para resolver necesidades de diseño grafico.</a:t>
+                      </a:r>
                       <a:endParaRPr lang="es-ES" sz="1600" dirty="0"/>
                     </a:p>
                   </a:txBody>
@@ -17389,14 +17413,14 @@
           <p:nvPr>
             <p:extLst>
               <p:ext uri="{D42A27DB-BD31-4B8C-83A1-F6EECF244321}">
-                <p14:modId xmlns:p14="http://schemas.microsoft.com/office/powerpoint/2010/main" val="2715033542"/>
+                <p14:modId xmlns:p14="http://schemas.microsoft.com/office/powerpoint/2010/main" val="472032255"/>
               </p:ext>
             </p:extLst>
           </p:nvPr>
         </p:nvGraphicFramePr>
         <p:xfrm>
           <a:off x="755576" y="2348880"/>
-          <a:ext cx="7315200" cy="1569720"/>
+          <a:ext cx="7315200" cy="1828800"/>
         </p:xfrm>
         <a:graphic>
           <a:graphicData uri="http://schemas.openxmlformats.org/drawingml/2006/table">
@@ -17535,6 +17559,14 @@
                     <a:bodyPr/>
                     <a:lstStyle/>
                     <a:p>
+                      <a:r>
+                        <a:rPr lang="es-MX" sz="1700" dirty="0" smtClean="0"/>
+                        <a:t>Actualizar el proceso</a:t>
+                      </a:r>
+                      <a:r>
+                        <a:rPr lang="es-MX" sz="1700" baseline="0" dirty="0" smtClean="0"/>
+                        <a:t> de desarrollo de código.</a:t>
+                      </a:r>
                       <a:endParaRPr lang="es-MX" sz="1700" dirty="0"/>
                     </a:p>
                   </a:txBody>

--- a/swbproys/gestor-bsc/doc/weekly/06_20130715/Junta semanal interna.pptx
+++ b/swbproys/gestor-bsc/doc/weekly/06_20130715/Junta semanal interna.pptx
@@ -11015,19 +11015,7 @@
                         <a:rPr lang="es-ES" dirty="0" smtClean="0">
                           <a:effectLst/>
                         </a:rPr>
-                        <a:t>Inicio del </a:t>
-                      </a:r>
-                      <a:r>
-                        <a:rPr lang="es-ES" dirty="0" smtClean="0">
-                          <a:effectLst/>
-                        </a:rPr>
-                        <a:t>producto </a:t>
-                      </a:r>
-                      <a:r>
-                        <a:rPr lang="es-ES" dirty="0" smtClean="0">
-                          <a:effectLst/>
-                        </a:rPr>
-                        <a:t>de</a:t>
+                        <a:t>Inicio del producto de</a:t>
                       </a:r>
                       <a:r>
                         <a:rPr lang="es-ES" baseline="0" dirty="0" smtClean="0">
@@ -15775,7 +15763,7 @@
           <p:nvPr>
             <p:extLst>
               <p:ext uri="{D42A27DB-BD31-4B8C-83A1-F6EECF244321}">
-                <p14:modId xmlns:p14="http://schemas.microsoft.com/office/powerpoint/2010/main" val="1699852297"/>
+                <p14:modId xmlns:p14="http://schemas.microsoft.com/office/powerpoint/2010/main" val="3139468536"/>
               </p:ext>
             </p:extLst>
           </p:nvPr>
@@ -15995,7 +15983,7 @@
           <p:nvPr>
             <p:extLst>
               <p:ext uri="{D42A27DB-BD31-4B8C-83A1-F6EECF244321}">
-                <p14:modId xmlns:p14="http://schemas.microsoft.com/office/powerpoint/2010/main" val="145619618"/>
+                <p14:modId xmlns:p14="http://schemas.microsoft.com/office/powerpoint/2010/main" val="3837747591"/>
               </p:ext>
             </p:extLst>
           </p:nvPr>
@@ -16065,18 +16053,25 @@
                     <a:bodyPr/>
                     <a:lstStyle/>
                     <a:p>
-                      <a:r>
-                        <a:rPr lang="es-MX" dirty="0" smtClean="0">
+                      <a:pPr marL="0" algn="l" defTabSz="914400" rtl="0" eaLnBrk="1" latinLnBrk="0" hangingPunct="1"/>
+                      <a:r>
+                        <a:rPr lang="es-MX" sz="1700" kern="1200" baseline="0" dirty="0" smtClean="0">
                           <a:solidFill>
-                            <a:srgbClr val="FF0000"/>
+                            <a:schemeClr val="tx1"/>
                           </a:solidFill>
+                          <a:latin typeface="+mn-lt"/>
+                          <a:ea typeface="+mn-ea"/>
+                          <a:cs typeface="+mn-cs"/>
                         </a:rPr>
                         <a:t>20985</a:t>
                       </a:r>
-                      <a:endParaRPr lang="es-ES" dirty="0">
+                      <a:endParaRPr lang="es-ES" sz="1700" kern="1200" baseline="0" dirty="0">
                         <a:solidFill>
-                          <a:srgbClr val="FF0000"/>
+                          <a:schemeClr val="tx1"/>
                         </a:solidFill>
+                        <a:latin typeface="+mn-lt"/>
+                        <a:ea typeface="+mn-ea"/>
+                        <a:cs typeface="+mn-cs"/>
                       </a:endParaRPr>
                     </a:p>
                   </a:txBody>
@@ -16087,18 +16082,25 @@
                     <a:bodyPr/>
                     <a:lstStyle/>
                     <a:p>
-                      <a:r>
-                        <a:rPr lang="es-MX" dirty="0" smtClean="0">
+                      <a:pPr marL="0" algn="l" defTabSz="914400" rtl="0" eaLnBrk="1" latinLnBrk="0" hangingPunct="1"/>
+                      <a:r>
+                        <a:rPr lang="es-MX" sz="1700" kern="1200" baseline="0" dirty="0" smtClean="0">
                           <a:solidFill>
-                            <a:srgbClr val="FF0000"/>
+                            <a:schemeClr val="tx1"/>
                           </a:solidFill>
+                          <a:latin typeface="+mn-lt"/>
+                          <a:ea typeface="+mn-ea"/>
+                          <a:cs typeface="+mn-cs"/>
                         </a:rPr>
                         <a:t>429</a:t>
                       </a:r>
-                      <a:endParaRPr lang="es-ES" dirty="0">
+                      <a:endParaRPr lang="es-ES" sz="1700" kern="1200" baseline="0" dirty="0">
                         <a:solidFill>
-                          <a:srgbClr val="FF0000"/>
+                          <a:schemeClr val="tx1"/>
                         </a:solidFill>
+                        <a:latin typeface="+mn-lt"/>
+                        <a:ea typeface="+mn-ea"/>
+                        <a:cs typeface="+mn-cs"/>
                       </a:endParaRPr>
                     </a:p>
                   </a:txBody>
